--- a/_ONE_page/บรมราชาภิเษก3.pptx
+++ b/_ONE_page/บรมราชาภิเษก3.pptx
@@ -211,7 +211,7 @@
             <a:fld id="{0DD75C37-BAC4-46FF-B7B2-6FED78449E37}" type="datetimeFigureOut">
               <a:rPr lang="th-TH" smtClean="0"/>
               <a:pPr/>
-              <a:t>02/05/62</a:t>
+              <a:t>04/05/62</a:t>
             </a:fld>
             <a:endParaRPr lang="th-TH"/>
           </a:p>
@@ -912,7 +912,7 @@
             <a:fld id="{34135B6E-E811-4EF8-8069-D4687E090E68}" type="datetimeFigureOut">
               <a:rPr lang="th-TH" smtClean="0"/>
               <a:pPr/>
-              <a:t>02/05/62</a:t>
+              <a:t>04/05/62</a:t>
             </a:fld>
             <a:endParaRPr lang="th-TH"/>
           </a:p>
@@ -1077,7 +1077,7 @@
             <a:fld id="{34135B6E-E811-4EF8-8069-D4687E090E68}" type="datetimeFigureOut">
               <a:rPr lang="th-TH" smtClean="0"/>
               <a:pPr/>
-              <a:t>02/05/62</a:t>
+              <a:t>04/05/62</a:t>
             </a:fld>
             <a:endParaRPr lang="th-TH"/>
           </a:p>
@@ -1252,7 +1252,7 @@
             <a:fld id="{34135B6E-E811-4EF8-8069-D4687E090E68}" type="datetimeFigureOut">
               <a:rPr lang="th-TH" smtClean="0"/>
               <a:pPr/>
-              <a:t>02/05/62</a:t>
+              <a:t>04/05/62</a:t>
             </a:fld>
             <a:endParaRPr lang="th-TH"/>
           </a:p>
@@ -1417,7 +1417,7 @@
             <a:fld id="{34135B6E-E811-4EF8-8069-D4687E090E68}" type="datetimeFigureOut">
               <a:rPr lang="th-TH" smtClean="0"/>
               <a:pPr/>
-              <a:t>02/05/62</a:t>
+              <a:t>04/05/62</a:t>
             </a:fld>
             <a:endParaRPr lang="th-TH"/>
           </a:p>
@@ -1659,7 +1659,7 @@
             <a:fld id="{34135B6E-E811-4EF8-8069-D4687E090E68}" type="datetimeFigureOut">
               <a:rPr lang="th-TH" smtClean="0"/>
               <a:pPr/>
-              <a:t>02/05/62</a:t>
+              <a:t>04/05/62</a:t>
             </a:fld>
             <a:endParaRPr lang="th-TH"/>
           </a:p>
@@ -1941,7 +1941,7 @@
             <a:fld id="{34135B6E-E811-4EF8-8069-D4687E090E68}" type="datetimeFigureOut">
               <a:rPr lang="th-TH" smtClean="0"/>
               <a:pPr/>
-              <a:t>02/05/62</a:t>
+              <a:t>04/05/62</a:t>
             </a:fld>
             <a:endParaRPr lang="th-TH"/>
           </a:p>
@@ -2357,7 +2357,7 @@
             <a:fld id="{34135B6E-E811-4EF8-8069-D4687E090E68}" type="datetimeFigureOut">
               <a:rPr lang="th-TH" smtClean="0"/>
               <a:pPr/>
-              <a:t>02/05/62</a:t>
+              <a:t>04/05/62</a:t>
             </a:fld>
             <a:endParaRPr lang="th-TH"/>
           </a:p>
@@ -2471,7 +2471,7 @@
             <a:fld id="{34135B6E-E811-4EF8-8069-D4687E090E68}" type="datetimeFigureOut">
               <a:rPr lang="th-TH" smtClean="0"/>
               <a:pPr/>
-              <a:t>02/05/62</a:t>
+              <a:t>04/05/62</a:t>
             </a:fld>
             <a:endParaRPr lang="th-TH"/>
           </a:p>
@@ -2563,7 +2563,7 @@
             <a:fld id="{34135B6E-E811-4EF8-8069-D4687E090E68}" type="datetimeFigureOut">
               <a:rPr lang="th-TH" smtClean="0"/>
               <a:pPr/>
-              <a:t>02/05/62</a:t>
+              <a:t>04/05/62</a:t>
             </a:fld>
             <a:endParaRPr lang="th-TH"/>
           </a:p>
@@ -2835,7 +2835,7 @@
             <a:fld id="{34135B6E-E811-4EF8-8069-D4687E090E68}" type="datetimeFigureOut">
               <a:rPr lang="th-TH" smtClean="0"/>
               <a:pPr/>
-              <a:t>02/05/62</a:t>
+              <a:t>04/05/62</a:t>
             </a:fld>
             <a:endParaRPr lang="th-TH"/>
           </a:p>
@@ -3084,7 +3084,7 @@
             <a:fld id="{34135B6E-E811-4EF8-8069-D4687E090E68}" type="datetimeFigureOut">
               <a:rPr lang="th-TH" smtClean="0"/>
               <a:pPr/>
-              <a:t>02/05/62</a:t>
+              <a:t>04/05/62</a:t>
             </a:fld>
             <a:endParaRPr lang="th-TH"/>
           </a:p>
@@ -3310,7 +3310,7 @@
             <a:fld id="{34135B6E-E811-4EF8-8069-D4687E090E68}" type="datetimeFigureOut">
               <a:rPr lang="th-TH" smtClean="0"/>
               <a:pPr/>
-              <a:t>02/05/62</a:t>
+              <a:t>04/05/62</a:t>
             </a:fld>
             <a:endParaRPr lang="th-TH"/>
           </a:p>
@@ -9207,6 +9207,42 @@
           </a:p>
         </p:txBody>
       </p:sp>
+      <p:pic>
+        <p:nvPicPr>
+          <p:cNvPr id="6" name="Picture 5">
+            <a:extLst>
+              <a:ext uri="{FF2B5EF4-FFF2-40B4-BE49-F238E27FC236}">
+                <a16:creationId xmlns:a16="http://schemas.microsoft.com/office/drawing/2014/main" id="{B710B793-D1D2-472A-8FCD-824658FCB2BA}"/>
+              </a:ext>
+            </a:extLst>
+          </p:cNvPr>
+          <p:cNvPicPr>
+            <a:picLocks noChangeAspect="1"/>
+          </p:cNvPicPr>
+          <p:nvPr/>
+        </p:nvPicPr>
+        <p:blipFill>
+          <a:blip r:embed="rId5">
+            <a:extLst>
+              <a:ext uri="{28A0092B-C50C-407E-A947-70E740481C1C}">
+                <a14:useLocalDpi xmlns:a14="http://schemas.microsoft.com/office/drawing/2010/main" val="0"/>
+              </a:ext>
+            </a:extLst>
+          </a:blip>
+          <a:stretch>
+            <a:fillRect/>
+          </a:stretch>
+        </p:blipFill>
+        <p:spPr>
+          <a:xfrm>
+            <a:off x="874658" y="2541057"/>
+            <a:ext cx="5108685" cy="4470100"/>
+          </a:xfrm>
+          <a:prstGeom prst="rect">
+            <a:avLst/>
+          </a:prstGeom>
+        </p:spPr>
+      </p:pic>
     </p:spTree>
     <p:extLst>
       <p:ext uri="{BB962C8B-B14F-4D97-AF65-F5344CB8AC3E}">
